--- a/WeeklyPlanner.pptx
+++ b/WeeklyPlanner.pptx
@@ -11838,7 +11838,7 @@
       </p:pic>
       <p:pic>
         <p:nvPicPr>
-          <p:cNvPr id="400339967" name=""/>
+          <p:cNvPr id="1597129037" name=""/>
           <p:cNvPicPr>
             <a:picLocks noChangeAspect="1"/>
           </p:cNvPicPr>
@@ -11850,8 +11850,8 @@
         </p:blipFill>
         <p:spPr bwMode="auto">
           <a:xfrm flipH="0" flipV="0">
-            <a:off x="6363674" y="2561245"/>
-            <a:ext cx="4314825" cy="3406440"/>
+            <a:off x="6168412" y="2544117"/>
+            <a:ext cx="4381500" cy="3426135"/>
           </a:xfrm>
           <a:prstGeom prst="rect">
             <a:avLst/>

--- a/WeeklyPlanner.pptx
+++ b/WeeklyPlanner.pptx
@@ -11838,7 +11838,7 @@
       </p:pic>
       <p:pic>
         <p:nvPicPr>
-          <p:cNvPr id="1597129037" name=""/>
+          <p:cNvPr id="400339967" name=""/>
           <p:cNvPicPr>
             <a:picLocks noChangeAspect="1"/>
           </p:cNvPicPr>
@@ -11850,8 +11850,8 @@
         </p:blipFill>
         <p:spPr bwMode="auto">
           <a:xfrm flipH="0" flipV="0">
-            <a:off x="6168412" y="2544117"/>
-            <a:ext cx="4381500" cy="3426135"/>
+            <a:off x="6363674" y="2561245"/>
+            <a:ext cx="4314825" cy="3406440"/>
           </a:xfrm>
           <a:prstGeom prst="rect">
             <a:avLst/>
